--- a/1. Documents/ppt template.pptx
+++ b/1. Documents/ppt template.pptx
@@ -225,7 +225,7 @@
           <a:p>
             <a:fld id="{14DBD2BB-E2D8-405C-BCA8-2EA157731E8F}" type="datetimeFigureOut">
               <a:rPr lang="ko-KR" altLang="en-US" smtClean="0"/>
-              <a:t>2025-03-22</a:t>
+              <a:t>2025-03-30</a:t>
             </a:fld>
             <a:endParaRPr lang="ko-KR" altLang="en-US"/>
           </a:p>
